--- a/GasDetection.pptx
+++ b/GasDetection.pptx
@@ -7,6 +7,7 @@
   <p:sldIdLst>
     <p:sldId id="256" r:id="rId2"/>
     <p:sldId id="259" r:id="rId3"/>
+    <p:sldId id="260" r:id="rId4"/>
   </p:sldIdLst>
   <p:sldSz cx="12192000" cy="6858000"/>
   <p:notesSz cx="6858000" cy="9144000"/>
@@ -2360,7 +2361,7 @@
           <a:p>
             <a:fld id="{9315411C-C9CA-487F-9A80-4A0EA951D3C7}" type="datetimeFigureOut">
               <a:rPr lang="bg-BG" smtClean="0"/>
-              <a:t>13.5.2023 г.</a:t>
+              <a:t>14.5.2023 г.</a:t>
             </a:fld>
             <a:endParaRPr lang="bg-BG"/>
           </a:p>
@@ -2560,7 +2561,7 @@
           <a:p>
             <a:fld id="{9315411C-C9CA-487F-9A80-4A0EA951D3C7}" type="datetimeFigureOut">
               <a:rPr lang="bg-BG" smtClean="0"/>
-              <a:t>13.5.2023 г.</a:t>
+              <a:t>14.5.2023 г.</a:t>
             </a:fld>
             <a:endParaRPr lang="bg-BG"/>
           </a:p>
@@ -2770,7 +2771,7 @@
           <a:p>
             <a:fld id="{9315411C-C9CA-487F-9A80-4A0EA951D3C7}" type="datetimeFigureOut">
               <a:rPr lang="bg-BG" smtClean="0"/>
-              <a:t>13.5.2023 г.</a:t>
+              <a:t>14.5.2023 г.</a:t>
             </a:fld>
             <a:endParaRPr lang="bg-BG"/>
           </a:p>
@@ -2970,7 +2971,7 @@
           <a:p>
             <a:fld id="{9315411C-C9CA-487F-9A80-4A0EA951D3C7}" type="datetimeFigureOut">
               <a:rPr lang="bg-BG" smtClean="0"/>
-              <a:t>13.5.2023 г.</a:t>
+              <a:t>14.5.2023 г.</a:t>
             </a:fld>
             <a:endParaRPr lang="bg-BG"/>
           </a:p>
@@ -3246,7 +3247,7 @@
           <a:p>
             <a:fld id="{9315411C-C9CA-487F-9A80-4A0EA951D3C7}" type="datetimeFigureOut">
               <a:rPr lang="bg-BG" smtClean="0"/>
-              <a:t>13.5.2023 г.</a:t>
+              <a:t>14.5.2023 г.</a:t>
             </a:fld>
             <a:endParaRPr lang="bg-BG"/>
           </a:p>
@@ -3514,7 +3515,7 @@
           <a:p>
             <a:fld id="{9315411C-C9CA-487F-9A80-4A0EA951D3C7}" type="datetimeFigureOut">
               <a:rPr lang="bg-BG" smtClean="0"/>
-              <a:t>13.5.2023 г.</a:t>
+              <a:t>14.5.2023 г.</a:t>
             </a:fld>
             <a:endParaRPr lang="bg-BG"/>
           </a:p>
@@ -3929,7 +3930,7 @@
           <a:p>
             <a:fld id="{9315411C-C9CA-487F-9A80-4A0EA951D3C7}" type="datetimeFigureOut">
               <a:rPr lang="bg-BG" smtClean="0"/>
-              <a:t>13.5.2023 г.</a:t>
+              <a:t>14.5.2023 г.</a:t>
             </a:fld>
             <a:endParaRPr lang="bg-BG"/>
           </a:p>
@@ -4071,7 +4072,7 @@
           <a:p>
             <a:fld id="{9315411C-C9CA-487F-9A80-4A0EA951D3C7}" type="datetimeFigureOut">
               <a:rPr lang="bg-BG" smtClean="0"/>
-              <a:t>13.5.2023 г.</a:t>
+              <a:t>14.5.2023 г.</a:t>
             </a:fld>
             <a:endParaRPr lang="bg-BG"/>
           </a:p>
@@ -4184,7 +4185,7 @@
           <a:p>
             <a:fld id="{9315411C-C9CA-487F-9A80-4A0EA951D3C7}" type="datetimeFigureOut">
               <a:rPr lang="bg-BG" smtClean="0"/>
-              <a:t>13.5.2023 г.</a:t>
+              <a:t>14.5.2023 г.</a:t>
             </a:fld>
             <a:endParaRPr lang="bg-BG"/>
           </a:p>
@@ -4497,7 +4498,7 @@
           <a:p>
             <a:fld id="{9315411C-C9CA-487F-9A80-4A0EA951D3C7}" type="datetimeFigureOut">
               <a:rPr lang="bg-BG" smtClean="0"/>
-              <a:t>13.5.2023 г.</a:t>
+              <a:t>14.5.2023 г.</a:t>
             </a:fld>
             <a:endParaRPr lang="bg-BG"/>
           </a:p>
@@ -4786,7 +4787,7 @@
           <a:p>
             <a:fld id="{9315411C-C9CA-487F-9A80-4A0EA951D3C7}" type="datetimeFigureOut">
               <a:rPr lang="bg-BG" smtClean="0"/>
-              <a:t>13.5.2023 г.</a:t>
+              <a:t>14.5.2023 г.</a:t>
             </a:fld>
             <a:endParaRPr lang="bg-BG"/>
           </a:p>
@@ -5029,7 +5030,7 @@
           <a:p>
             <a:fld id="{9315411C-C9CA-487F-9A80-4A0EA951D3C7}" type="datetimeFigureOut">
               <a:rPr lang="bg-BG" smtClean="0"/>
-              <a:t>13.5.2023 г.</a:t>
+              <a:t>14.5.2023 г.</a:t>
             </a:fld>
             <a:endParaRPr lang="bg-BG"/>
           </a:p>
@@ -13737,6 +13738,158 @@
 </p:sld>
 </file>
 
+<file path=ppt/slides/slide3.xml><?xml version="1.0" encoding="utf-8"?>
+<p:sld xmlns:a="http://schemas.openxmlformats.org/drawingml/2006/main" xmlns:r="http://schemas.openxmlformats.org/officeDocument/2006/relationships" xmlns:p="http://schemas.openxmlformats.org/presentationml/2006/main">
+  <p:cSld>
+    <p:bg>
+      <p:bgPr>
+        <a:blipFill dpi="0" rotWithShape="1">
+          <a:blip r:embed="rId2">
+            <a:lum/>
+          </a:blip>
+          <a:srcRect/>
+          <a:stretch>
+            <a:fillRect/>
+          </a:stretch>
+        </a:blipFill>
+        <a:effectLst/>
+      </p:bgPr>
+    </p:bg>
+    <p:spTree>
+      <p:nvGrpSpPr>
+        <p:cNvPr id="1" name=""/>
+        <p:cNvGrpSpPr/>
+        <p:nvPr/>
+      </p:nvGrpSpPr>
+      <p:grpSpPr>
+        <a:xfrm>
+          <a:off x="0" y="0"/>
+          <a:ext cx="0" cy="0"/>
+          <a:chOff x="0" y="0"/>
+          <a:chExt cx="0" cy="0"/>
+        </a:xfrm>
+      </p:grpSpPr>
+      <p:sp>
+        <p:nvSpPr>
+          <p:cNvPr id="31" name="TextBox 30">
+            <a:extLst>
+              <a:ext uri="{FF2B5EF4-FFF2-40B4-BE49-F238E27FC236}">
+                <a16:creationId xmlns:a16="http://schemas.microsoft.com/office/drawing/2014/main" id="{6BA2CA57-AB08-4310-1092-B7F5F2EFD88A}"/>
+              </a:ext>
+            </a:extLst>
+          </p:cNvPr>
+          <p:cNvSpPr txBox="1"/>
+          <p:nvPr/>
+        </p:nvSpPr>
+        <p:spPr>
+          <a:xfrm>
+            <a:off x="0" y="1388962"/>
+            <a:ext cx="12192000" cy="3416320"/>
+          </a:xfrm>
+          <a:prstGeom prst="rect">
+            <a:avLst/>
+          </a:prstGeom>
+          <a:noFill/>
+        </p:spPr>
+        <p:txBody>
+          <a:bodyPr wrap="square" rtlCol="0">
+            <a:spAutoFit/>
+          </a:bodyPr>
+          <a:lstStyle/>
+          <a:p>
+            <a:pPr algn="ctr"/>
+            <a:r>
+              <a:rPr lang="en-US" sz="7200" dirty="0" err="1">
+                <a:solidFill>
+                  <a:schemeClr val="bg1"/>
+                </a:solidFill>
+                <a:latin typeface="Algerian" panose="04020705040A02060702" pitchFamily="82" charset="0"/>
+              </a:rPr>
+              <a:t>Tinkercad</a:t>
+            </a:r>
+            <a:r>
+              <a:rPr lang="en-US" sz="7200" dirty="0">
+                <a:solidFill>
+                  <a:schemeClr val="bg1"/>
+                </a:solidFill>
+                <a:latin typeface="Algerian" panose="04020705040A02060702" pitchFamily="82" charset="0"/>
+              </a:rPr>
+              <a:t> – </a:t>
+            </a:r>
+            <a:r>
+              <a:rPr lang="en-US" sz="7200" dirty="0">
+                <a:solidFill>
+                  <a:schemeClr val="bg1"/>
+                </a:solidFill>
+                <a:latin typeface="Algerian" panose="04020705040A02060702" pitchFamily="82" charset="0"/>
+                <a:hlinkClick r:id="rId3"/>
+              </a:rPr>
+              <a:t>CLICK ME</a:t>
+            </a:r>
+            <a:endParaRPr lang="en-US" sz="7200" dirty="0">
+              <a:solidFill>
+                <a:schemeClr val="bg1"/>
+              </a:solidFill>
+              <a:latin typeface="Algerian" panose="04020705040A02060702" pitchFamily="82" charset="0"/>
+            </a:endParaRPr>
+          </a:p>
+          <a:p>
+            <a:pPr algn="ctr"/>
+            <a:r>
+              <a:rPr lang="en-US" sz="7200" dirty="0">
+                <a:solidFill>
+                  <a:schemeClr val="bg1"/>
+                </a:solidFill>
+                <a:latin typeface="Algerian" panose="04020705040A02060702" pitchFamily="82" charset="0"/>
+              </a:rPr>
+              <a:t> </a:t>
+            </a:r>
+          </a:p>
+          <a:p>
+            <a:pPr algn="ctr"/>
+            <a:r>
+              <a:rPr lang="en-US" sz="7200" dirty="0">
+                <a:solidFill>
+                  <a:schemeClr val="bg1"/>
+                </a:solidFill>
+                <a:latin typeface="Algerian" panose="04020705040A02060702" pitchFamily="82" charset="0"/>
+              </a:rPr>
+              <a:t>Git Hub – </a:t>
+            </a:r>
+            <a:r>
+              <a:rPr lang="en-US" sz="7200" dirty="0">
+                <a:solidFill>
+                  <a:schemeClr val="bg1"/>
+                </a:solidFill>
+                <a:latin typeface="Algerian" panose="04020705040A02060702" pitchFamily="82" charset="0"/>
+                <a:hlinkClick r:id="rId4"/>
+              </a:rPr>
+              <a:t>CLICK ME </a:t>
+            </a:r>
+            <a:endParaRPr lang="bg-BG" sz="7200" dirty="0">
+              <a:solidFill>
+                <a:schemeClr val="bg1"/>
+              </a:solidFill>
+            </a:endParaRPr>
+          </a:p>
+        </p:txBody>
+      </p:sp>
+    </p:spTree>
+    <p:extLst>
+      <p:ext uri="{BB962C8B-B14F-4D97-AF65-F5344CB8AC3E}">
+        <p14:creationId xmlns:p14="http://schemas.microsoft.com/office/powerpoint/2010/main" val="3507946423"/>
+      </p:ext>
+    </p:extLst>
+  </p:cSld>
+  <p:clrMapOvr>
+    <a:masterClrMapping/>
+  </p:clrMapOvr>
+  <p:transition spd="med">
+    <p:pull/>
+  </p:transition>
+</p:sld>
+</file>
+
 <file path=ppt/theme/theme1.xml><?xml version="1.0" encoding="utf-8"?>
 <a:theme xmlns:a="http://schemas.openxmlformats.org/drawingml/2006/main" name="Office Theme">
   <a:themeElements>
